--- a/frame_stacking_nn.pptx
+++ b/frame_stacking_nn.pptx
@@ -104,6 +104,11 @@
       </a:defRPr>
     </a:lvl9pPr>
   </p:defaultTextStyle>
+  <p:extLst>
+    <p:ext uri="{EFAFB233-063F-42B5-8137-9DF3F51BA10A}">
+      <p15:sldGuideLst xmlns:p15="http://schemas.microsoft.com/office/powerpoint/2012/main"/>
+    </p:ext>
+  </p:extLst>
 </p:presentation>
 </file>
 
@@ -256,7 +261,7 @@
           <a:p>
             <a:fld id="{E50EAC7E-18B9-40E9-A41A-E834162C4EBE}" type="datetimeFigureOut">
               <a:rPr lang="en-GB" smtClean="0"/>
-              <a:t>11/04/2020</a:t>
+              <a:t>09/05/2020</a:t>
             </a:fld>
             <a:endParaRPr lang="en-GB"/>
           </a:p>
@@ -456,7 +461,7 @@
           <a:p>
             <a:fld id="{E50EAC7E-18B9-40E9-A41A-E834162C4EBE}" type="datetimeFigureOut">
               <a:rPr lang="en-GB" smtClean="0"/>
-              <a:t>11/04/2020</a:t>
+              <a:t>09/05/2020</a:t>
             </a:fld>
             <a:endParaRPr lang="en-GB"/>
           </a:p>
@@ -666,7 +671,7 @@
           <a:p>
             <a:fld id="{E50EAC7E-18B9-40E9-A41A-E834162C4EBE}" type="datetimeFigureOut">
               <a:rPr lang="en-GB" smtClean="0"/>
-              <a:t>11/04/2020</a:t>
+              <a:t>09/05/2020</a:t>
             </a:fld>
             <a:endParaRPr lang="en-GB"/>
           </a:p>
@@ -866,7 +871,7 @@
           <a:p>
             <a:fld id="{E50EAC7E-18B9-40E9-A41A-E834162C4EBE}" type="datetimeFigureOut">
               <a:rPr lang="en-GB" smtClean="0"/>
-              <a:t>11/04/2020</a:t>
+              <a:t>09/05/2020</a:t>
             </a:fld>
             <a:endParaRPr lang="en-GB"/>
           </a:p>
@@ -1142,7 +1147,7 @@
           <a:p>
             <a:fld id="{E50EAC7E-18B9-40E9-A41A-E834162C4EBE}" type="datetimeFigureOut">
               <a:rPr lang="en-GB" smtClean="0"/>
-              <a:t>11/04/2020</a:t>
+              <a:t>09/05/2020</a:t>
             </a:fld>
             <a:endParaRPr lang="en-GB"/>
           </a:p>
@@ -1410,7 +1415,7 @@
           <a:p>
             <a:fld id="{E50EAC7E-18B9-40E9-A41A-E834162C4EBE}" type="datetimeFigureOut">
               <a:rPr lang="en-GB" smtClean="0"/>
-              <a:t>11/04/2020</a:t>
+              <a:t>09/05/2020</a:t>
             </a:fld>
             <a:endParaRPr lang="en-GB"/>
           </a:p>
@@ -1825,7 +1830,7 @@
           <a:p>
             <a:fld id="{E50EAC7E-18B9-40E9-A41A-E834162C4EBE}" type="datetimeFigureOut">
               <a:rPr lang="en-GB" smtClean="0"/>
-              <a:t>11/04/2020</a:t>
+              <a:t>09/05/2020</a:t>
             </a:fld>
             <a:endParaRPr lang="en-GB"/>
           </a:p>
@@ -1967,7 +1972,7 @@
           <a:p>
             <a:fld id="{E50EAC7E-18B9-40E9-A41A-E834162C4EBE}" type="datetimeFigureOut">
               <a:rPr lang="en-GB" smtClean="0"/>
-              <a:t>11/04/2020</a:t>
+              <a:t>09/05/2020</a:t>
             </a:fld>
             <a:endParaRPr lang="en-GB"/>
           </a:p>
@@ -2080,7 +2085,7 @@
           <a:p>
             <a:fld id="{E50EAC7E-18B9-40E9-A41A-E834162C4EBE}" type="datetimeFigureOut">
               <a:rPr lang="en-GB" smtClean="0"/>
-              <a:t>11/04/2020</a:t>
+              <a:t>09/05/2020</a:t>
             </a:fld>
             <a:endParaRPr lang="en-GB"/>
           </a:p>
@@ -2393,7 +2398,7 @@
           <a:p>
             <a:fld id="{E50EAC7E-18B9-40E9-A41A-E834162C4EBE}" type="datetimeFigureOut">
               <a:rPr lang="en-GB" smtClean="0"/>
-              <a:t>11/04/2020</a:t>
+              <a:t>09/05/2020</a:t>
             </a:fld>
             <a:endParaRPr lang="en-GB"/>
           </a:p>
@@ -2682,7 +2687,7 @@
           <a:p>
             <a:fld id="{E50EAC7E-18B9-40E9-A41A-E834162C4EBE}" type="datetimeFigureOut">
               <a:rPr lang="en-GB" smtClean="0"/>
-              <a:t>11/04/2020</a:t>
+              <a:t>09/05/2020</a:t>
             </a:fld>
             <a:endParaRPr lang="en-GB"/>
           </a:p>
@@ -2925,7 +2930,7 @@
           <a:p>
             <a:fld id="{E50EAC7E-18B9-40E9-A41A-E834162C4EBE}" type="datetimeFigureOut">
               <a:rPr lang="en-GB" smtClean="0"/>
-              <a:t>11/04/2020</a:t>
+              <a:t>09/05/2020</a:t>
             </a:fld>
             <a:endParaRPr lang="en-GB"/>
           </a:p>
@@ -3344,41 +3349,6 @@
       </p:grpSpPr>
       <p:pic>
         <p:nvPicPr>
-          <p:cNvPr id="5" name="Picture 4" descr="A picture containing game&#10;&#10;Description automatically generated">
-            <a:extLst>
-              <a:ext uri="{FF2B5EF4-FFF2-40B4-BE49-F238E27FC236}">
-                <a16:creationId xmlns:a16="http://schemas.microsoft.com/office/drawing/2014/main" id="{4664F087-3BFF-4E5D-8B70-5DD2C49559FE}"/>
-              </a:ext>
-            </a:extLst>
-          </p:cNvPr>
-          <p:cNvPicPr>
-            <a:picLocks noChangeAspect="1"/>
-          </p:cNvPicPr>
-          <p:nvPr/>
-        </p:nvPicPr>
-        <p:blipFill rotWithShape="1">
-          <a:blip r:embed="rId2">
-            <a:extLst>
-              <a:ext uri="{28A0092B-C50C-407E-A947-70E740481C1C}">
-                <a14:useLocalDpi xmlns:a14="http://schemas.microsoft.com/office/drawing/2010/main" val="0"/>
-              </a:ext>
-            </a:extLst>
-          </a:blip>
-          <a:srcRect l="17734"/>
-          <a:stretch/>
-        </p:blipFill>
-        <p:spPr>
-          <a:xfrm>
-            <a:off x="4310062" y="200025"/>
-            <a:ext cx="10029825" cy="6858000"/>
-          </a:xfrm>
-          <a:prstGeom prst="rect">
-            <a:avLst/>
-          </a:prstGeom>
-        </p:spPr>
-      </p:pic>
-      <p:pic>
-        <p:nvPicPr>
           <p:cNvPr id="6" name="Picture 5" descr="A close up of a logo&#10;&#10;Description automatically generated">
             <a:extLst>
               <a:ext uri="{FF2B5EF4-FFF2-40B4-BE49-F238E27FC236}">
@@ -3392,7 +3362,7 @@
           <p:nvPr/>
         </p:nvPicPr>
         <p:blipFill>
-          <a:blip r:embed="rId3">
+          <a:blip r:embed="rId2">
             <a:extLst>
               <a:ext uri="{28A0092B-C50C-407E-A947-70E740481C1C}">
                 <a14:useLocalDpi xmlns:a14="http://schemas.microsoft.com/office/drawing/2010/main" val="0"/>
@@ -3433,7 +3403,7 @@
           <p:nvPr/>
         </p:nvPicPr>
         <p:blipFill>
-          <a:blip r:embed="rId3">
+          <a:blip r:embed="rId2">
             <a:extLst>
               <a:ext uri="{28A0092B-C50C-407E-A947-70E740481C1C}">
                 <a14:useLocalDpi xmlns:a14="http://schemas.microsoft.com/office/drawing/2010/main" val="0"/>
@@ -3474,7 +3444,7 @@
           <p:nvPr/>
         </p:nvPicPr>
         <p:blipFill>
-          <a:blip r:embed="rId3">
+          <a:blip r:embed="rId2">
             <a:extLst>
               <a:ext uri="{28A0092B-C50C-407E-A947-70E740481C1C}">
                 <a14:useLocalDpi xmlns:a14="http://schemas.microsoft.com/office/drawing/2010/main" val="0"/>
@@ -3515,7 +3485,7 @@
           <p:nvPr/>
         </p:nvPicPr>
         <p:blipFill>
-          <a:blip r:embed="rId3">
+          <a:blip r:embed="rId2">
             <a:extLst>
               <a:ext uri="{28A0092B-C50C-407E-A947-70E740481C1C}">
                 <a14:useLocalDpi xmlns:a14="http://schemas.microsoft.com/office/drawing/2010/main" val="0"/>
@@ -3615,6 +3585,44 @@
           </a:p>
         </p:txBody>
       </p:sp>
+      <p:pic>
+        <p:nvPicPr>
+          <p:cNvPr id="4" name="Graphic 3">
+            <a:extLst>
+              <a:ext uri="{FF2B5EF4-FFF2-40B4-BE49-F238E27FC236}">
+                <a16:creationId xmlns:a16="http://schemas.microsoft.com/office/drawing/2014/main" id="{A8B6DE82-8ABC-42FE-A038-911129E1C7E9}"/>
+              </a:ext>
+            </a:extLst>
+          </p:cNvPr>
+          <p:cNvPicPr>
+            <a:picLocks noChangeAspect="1"/>
+          </p:cNvPicPr>
+          <p:nvPr/>
+        </p:nvPicPr>
+        <p:blipFill rotWithShape="1">
+          <a:blip r:embed="rId3">
+            <a:extLst>
+              <a:ext uri="{28A0092B-C50C-407E-A947-70E740481C1C}">
+                <a14:useLocalDpi xmlns:a14="http://schemas.microsoft.com/office/drawing/2010/main" val="0"/>
+              </a:ext>
+              <a:ext uri="{96DAC541-7B7A-43D3-8B79-37D633B846F1}">
+                <asvg:svgBlip xmlns:asvg="http://schemas.microsoft.com/office/drawing/2016/SVG/main" r:embed="rId4"/>
+              </a:ext>
+            </a:extLst>
+          </a:blip>
+          <a:srcRect l="7519"/>
+          <a:stretch/>
+        </p:blipFill>
+        <p:spPr>
+          <a:xfrm>
+            <a:off x="4055630" y="1030042"/>
+            <a:ext cx="8530296" cy="5188437"/>
+          </a:xfrm>
+          <a:prstGeom prst="rect">
+            <a:avLst/>
+          </a:prstGeom>
+        </p:spPr>
+      </p:pic>
     </p:spTree>
     <p:extLst>
       <p:ext uri="{BB962C8B-B14F-4D97-AF65-F5344CB8AC3E}">
